--- a/Enterprise Architect/Презентация.pptx
+++ b/Enterprise Architect/Презентация.pptx
@@ -5,12 +5,13 @@
     <p:sldMasterId id="2147483648" r:id="rId1"/>
   </p:sldMasterIdLst>
   <p:notesMasterIdLst>
-    <p:notesMasterId r:id="rId5"/>
+    <p:notesMasterId r:id="rId6"/>
   </p:notesMasterIdLst>
   <p:sldIdLst>
     <p:sldId id="256" r:id="rId2"/>
     <p:sldId id="257" r:id="rId3"/>
     <p:sldId id="258" r:id="rId4"/>
+    <p:sldId id="261" r:id="rId5"/>
   </p:sldIdLst>
   <p:sldSz cx="12192000" cy="6858000"/>
   <p:notesSz cx="6858000" cy="9144000"/>
@@ -199,7 +200,7 @@
           <a:p>
             <a:fld id="{BC225A07-19E1-7C43-ABB5-9E556D1BC5C9}" type="datetimeFigureOut">
               <a:rPr lang="en-RU" smtClean="0"/>
-              <a:t>27.11.2023</a:t>
+              <a:t>02.12.2023</a:t>
             </a:fld>
             <a:endParaRPr lang="en-RU"/>
           </a:p>
@@ -700,7 +701,7 @@
           <a:p>
             <a:fld id="{77C9E224-B48A-214B-84D6-161AACADD4F4}" type="datetimeFigureOut">
               <a:rPr lang="en-RU" smtClean="0"/>
-              <a:t>27.11.2023</a:t>
+              <a:t>02.12.2023</a:t>
             </a:fld>
             <a:endParaRPr lang="en-RU"/>
           </a:p>
@@ -900,7 +901,7 @@
           <a:p>
             <a:fld id="{77C9E224-B48A-214B-84D6-161AACADD4F4}" type="datetimeFigureOut">
               <a:rPr lang="en-RU" smtClean="0"/>
-              <a:t>27.11.2023</a:t>
+              <a:t>02.12.2023</a:t>
             </a:fld>
             <a:endParaRPr lang="en-RU"/>
           </a:p>
@@ -1110,7 +1111,7 @@
           <a:p>
             <a:fld id="{77C9E224-B48A-214B-84D6-161AACADD4F4}" type="datetimeFigureOut">
               <a:rPr lang="en-RU" smtClean="0"/>
-              <a:t>27.11.2023</a:t>
+              <a:t>02.12.2023</a:t>
             </a:fld>
             <a:endParaRPr lang="en-RU"/>
           </a:p>
@@ -1310,7 +1311,7 @@
           <a:p>
             <a:fld id="{77C9E224-B48A-214B-84D6-161AACADD4F4}" type="datetimeFigureOut">
               <a:rPr lang="en-RU" smtClean="0"/>
-              <a:t>27.11.2023</a:t>
+              <a:t>02.12.2023</a:t>
             </a:fld>
             <a:endParaRPr lang="en-RU"/>
           </a:p>
@@ -1586,7 +1587,7 @@
           <a:p>
             <a:fld id="{77C9E224-B48A-214B-84D6-161AACADD4F4}" type="datetimeFigureOut">
               <a:rPr lang="en-RU" smtClean="0"/>
-              <a:t>27.11.2023</a:t>
+              <a:t>02.12.2023</a:t>
             </a:fld>
             <a:endParaRPr lang="en-RU"/>
           </a:p>
@@ -1854,7 +1855,7 @@
           <a:p>
             <a:fld id="{77C9E224-B48A-214B-84D6-161AACADD4F4}" type="datetimeFigureOut">
               <a:rPr lang="en-RU" smtClean="0"/>
-              <a:t>27.11.2023</a:t>
+              <a:t>02.12.2023</a:t>
             </a:fld>
             <a:endParaRPr lang="en-RU"/>
           </a:p>
@@ -2269,7 +2270,7 @@
           <a:p>
             <a:fld id="{77C9E224-B48A-214B-84D6-161AACADD4F4}" type="datetimeFigureOut">
               <a:rPr lang="en-RU" smtClean="0"/>
-              <a:t>27.11.2023</a:t>
+              <a:t>02.12.2023</a:t>
             </a:fld>
             <a:endParaRPr lang="en-RU"/>
           </a:p>
@@ -2411,7 +2412,7 @@
           <a:p>
             <a:fld id="{77C9E224-B48A-214B-84D6-161AACADD4F4}" type="datetimeFigureOut">
               <a:rPr lang="en-RU" smtClean="0"/>
-              <a:t>27.11.2023</a:t>
+              <a:t>02.12.2023</a:t>
             </a:fld>
             <a:endParaRPr lang="en-RU"/>
           </a:p>
@@ -2524,7 +2525,7 @@
           <a:p>
             <a:fld id="{77C9E224-B48A-214B-84D6-161AACADD4F4}" type="datetimeFigureOut">
               <a:rPr lang="en-RU" smtClean="0"/>
-              <a:t>27.11.2023</a:t>
+              <a:t>02.12.2023</a:t>
             </a:fld>
             <a:endParaRPr lang="en-RU"/>
           </a:p>
@@ -2837,7 +2838,7 @@
           <a:p>
             <a:fld id="{77C9E224-B48A-214B-84D6-161AACADD4F4}" type="datetimeFigureOut">
               <a:rPr lang="en-RU" smtClean="0"/>
-              <a:t>27.11.2023</a:t>
+              <a:t>02.12.2023</a:t>
             </a:fld>
             <a:endParaRPr lang="en-RU"/>
           </a:p>
@@ -3126,7 +3127,7 @@
           <a:p>
             <a:fld id="{77C9E224-B48A-214B-84D6-161AACADD4F4}" type="datetimeFigureOut">
               <a:rPr lang="en-RU" smtClean="0"/>
-              <a:t>27.11.2023</a:t>
+              <a:t>02.12.2023</a:t>
             </a:fld>
             <a:endParaRPr lang="en-RU"/>
           </a:p>
@@ -3369,7 +3370,7 @@
           <a:p>
             <a:fld id="{77C9E224-B48A-214B-84D6-161AACADD4F4}" type="datetimeFigureOut">
               <a:rPr lang="en-RU" smtClean="0"/>
-              <a:t>27.11.2023</a:t>
+              <a:t>02.12.2023</a:t>
             </a:fld>
             <a:endParaRPr lang="en-RU"/>
           </a:p>
@@ -4932,11 +4933,11 @@
               <a:buNone/>
             </a:pPr>
             <a:r>
-              <a:rPr lang="en-US" sz="1500"/>
+              <a:rPr lang="en-US" sz="1500" dirty="0"/>
               <a:t>📈 </a:t>
             </a:r>
             <a:r>
-              <a:rPr lang="ru-RU" sz="1500"/>
+              <a:rPr lang="ru-RU" sz="1500" dirty="0"/>
               <a:t>Направление развития</a:t>
             </a:r>
           </a:p>
@@ -4945,26 +4946,26 @@
               <a:buNone/>
             </a:pPr>
             <a:r>
-              <a:rPr lang="ru-RU" sz="1200"/>
-              <a:t>Расширение транспортной сети за счет подключения частных перевозчиков к единой системе безналичной оплаты проезда, что повысит привлекательность общественного транспорта для жителей города</a:t>
+              <a:rPr lang="ru-RU" sz="1200" dirty="0"/>
+              <a:t>Расширение транспортной сети за счет подключения частных перевозчиков к единой системе безналичной оплаты проезда, что повысит привлекательность общественного транспорта для жителей города и позитивно отразится на </a:t>
             </a:r>
           </a:p>
           <a:p>
             <a:pPr marL="0" indent="0">
               <a:buNone/>
             </a:pPr>
-            <a:endParaRPr lang="ru-RU" sz="1200"/>
+            <a:endParaRPr lang="ru-RU" sz="1200" dirty="0"/>
           </a:p>
           <a:p>
             <a:pPr marL="0" indent="0">
               <a:buNone/>
             </a:pPr>
             <a:r>
-              <a:rPr lang="en-US" sz="1700"/>
+              <a:rPr lang="en-US" sz="1700" dirty="0"/>
               <a:t>👨‍🏫</a:t>
             </a:r>
             <a:r>
-              <a:rPr lang="ru-RU" sz="1700"/>
+              <a:rPr lang="ru-RU" sz="1700" dirty="0"/>
               <a:t> Учебный кейс</a:t>
             </a:r>
           </a:p>
@@ -4973,8 +4974,8 @@
               <a:buNone/>
             </a:pPr>
             <a:r>
-              <a:rPr lang="ru-RU" sz="1300"/>
-              <a:t>В качестве учебного примера буду использовать описание текущей архитектуры компании параллельно рассматривая расширение ее деятельности в контексте указанного выше направления развития</a:t>
+              <a:rPr lang="ru-RU" sz="1300" dirty="0"/>
+              <a:t>В качестве учебного примера буду использовать описание текущей архитектуры компании параллельно рассматривая расширение ее деятельности за счет привлечения частных перевозчиков</a:t>
             </a:r>
             <a:endParaRPr lang="en-RU" sz="1300" dirty="0"/>
           </a:p>
@@ -5016,6 +5017,42 @@
           </a:fontRef>
         </p:style>
       </p:cxnSp>
+      <p:sp>
+        <p:nvSpPr>
+          <p:cNvPr id="7" name="TextBox 6">
+            <a:extLst>
+              <a:ext uri="{FF2B5EF4-FFF2-40B4-BE49-F238E27FC236}">
+                <a16:creationId xmlns:a16="http://schemas.microsoft.com/office/drawing/2014/main" id="{18D2B50B-14D0-D93F-0756-4223164C0FA9}"/>
+              </a:ext>
+            </a:extLst>
+          </p:cNvPr>
+          <p:cNvSpPr txBox="1"/>
+          <p:nvPr/>
+        </p:nvSpPr>
+        <p:spPr>
+          <a:xfrm>
+            <a:off x="11744442" y="6596390"/>
+            <a:ext cx="447558" cy="261610"/>
+          </a:xfrm>
+          <a:prstGeom prst="rect">
+            <a:avLst/>
+          </a:prstGeom>
+          <a:noFill/>
+        </p:spPr>
+        <p:txBody>
+          <a:bodyPr wrap="none" rtlCol="0">
+            <a:spAutoFit/>
+          </a:bodyPr>
+          <a:lstStyle/>
+          <a:p>
+            <a:r>
+              <a:rPr lang="ru-RU" sz="1100" dirty="0"/>
+              <a:t>ДЗ 1</a:t>
+            </a:r>
+            <a:endParaRPr lang="en-RU" sz="1100" dirty="0"/>
+          </a:p>
+        </p:txBody>
+      </p:sp>
     </p:spTree>
     <p:extLst>
       <p:ext uri="{BB962C8B-B14F-4D97-AF65-F5344CB8AC3E}">
@@ -5062,16 +5099,32 @@
             <p:ph type="title"/>
           </p:nvPr>
         </p:nvSpPr>
-        <p:spPr/>
-        <p:txBody>
-          <a:bodyPr/>
-          <a:lstStyle/>
-          <a:p>
-            <a:r>
-              <a:rPr lang="ru-RU"/>
-              <a:t>Бизнес-модель (модель Остервальдера)</a:t>
-            </a:r>
-            <a:endParaRPr lang="en-RU" dirty="0"/>
+        <p:spPr>
+          <a:xfrm>
+            <a:off x="838200" y="198120"/>
+            <a:ext cx="10515600" cy="426348"/>
+          </a:xfrm>
+        </p:spPr>
+        <p:txBody>
+          <a:bodyPr>
+            <a:normAutofit fontScale="90000"/>
+          </a:bodyPr>
+          <a:lstStyle/>
+          <a:p>
+            <a:pPr algn="ctr"/>
+            <a:r>
+              <a:rPr lang="ru-RU" sz="3200" dirty="0"/>
+              <a:t>Бизнес-модель (модель </a:t>
+            </a:r>
+            <a:r>
+              <a:rPr lang="ru-RU" sz="3200" dirty="0" err="1"/>
+              <a:t>Остервальдера</a:t>
+            </a:r>
+            <a:r>
+              <a:rPr lang="ru-RU" sz="3200" dirty="0"/>
+              <a:t>)</a:t>
+            </a:r>
+            <a:endParaRPr lang="en-RU" sz="3200" dirty="0"/>
           </a:p>
         </p:txBody>
       </p:sp>
@@ -5097,18 +5150,176 @@
         </p:blipFill>
         <p:spPr>
           <a:xfrm>
-            <a:off x="1523018" y="1426101"/>
-            <a:ext cx="9145964" cy="5233779"/>
+            <a:off x="1304692" y="710833"/>
+            <a:ext cx="10395885" cy="5949047"/>
           </a:xfrm>
           <a:prstGeom prst="rect">
             <a:avLst/>
           </a:prstGeom>
         </p:spPr>
       </p:pic>
+      <p:sp>
+        <p:nvSpPr>
+          <p:cNvPr id="7" name="TextBox 6">
+            <a:extLst>
+              <a:ext uri="{FF2B5EF4-FFF2-40B4-BE49-F238E27FC236}">
+                <a16:creationId xmlns:a16="http://schemas.microsoft.com/office/drawing/2014/main" id="{0D6BCE8C-F3A6-9290-E64B-1EBEE0CF07EE}"/>
+              </a:ext>
+            </a:extLst>
+          </p:cNvPr>
+          <p:cNvSpPr txBox="1"/>
+          <p:nvPr/>
+        </p:nvSpPr>
+        <p:spPr>
+          <a:xfrm>
+            <a:off x="11744442" y="6596390"/>
+            <a:ext cx="447558" cy="261610"/>
+          </a:xfrm>
+          <a:prstGeom prst="rect">
+            <a:avLst/>
+          </a:prstGeom>
+          <a:noFill/>
+        </p:spPr>
+        <p:txBody>
+          <a:bodyPr wrap="none" rtlCol="0">
+            <a:spAutoFit/>
+          </a:bodyPr>
+          <a:lstStyle/>
+          <a:p>
+            <a:r>
+              <a:rPr lang="ru-RU" sz="1100" dirty="0"/>
+              <a:t>ДЗ 2</a:t>
+            </a:r>
+            <a:endParaRPr lang="en-RU" sz="1100" dirty="0"/>
+          </a:p>
+        </p:txBody>
+      </p:sp>
     </p:spTree>
     <p:extLst>
       <p:ext uri="{BB962C8B-B14F-4D97-AF65-F5344CB8AC3E}">
         <p14:creationId xmlns:p14="http://schemas.microsoft.com/office/powerpoint/2010/main" val="2147059679"/>
+      </p:ext>
+    </p:extLst>
+  </p:cSld>
+  <p:clrMapOvr>
+    <a:masterClrMapping/>
+  </p:clrMapOvr>
+</p:sld>
+</file>
+
+<file path=ppt/slides/slide4.xml><?xml version="1.0" encoding="utf-8"?>
+<p:sld xmlns:a="http://schemas.openxmlformats.org/drawingml/2006/main" xmlns:r="http://schemas.openxmlformats.org/officeDocument/2006/relationships" xmlns:p="http://schemas.openxmlformats.org/presentationml/2006/main">
+  <p:cSld>
+    <p:spTree>
+      <p:nvGrpSpPr>
+        <p:cNvPr id="1" name=""/>
+        <p:cNvGrpSpPr/>
+        <p:nvPr/>
+      </p:nvGrpSpPr>
+      <p:grpSpPr>
+        <a:xfrm>
+          <a:off x="0" y="0"/>
+          <a:ext cx="0" cy="0"/>
+          <a:chOff x="0" y="0"/>
+          <a:chExt cx="0" cy="0"/>
+        </a:xfrm>
+      </p:grpSpPr>
+      <p:sp>
+        <p:nvSpPr>
+          <p:cNvPr id="5" name="Title 1">
+            <a:extLst>
+              <a:ext uri="{FF2B5EF4-FFF2-40B4-BE49-F238E27FC236}">
+                <a16:creationId xmlns:a16="http://schemas.microsoft.com/office/drawing/2014/main" id="{4934629F-2757-D306-18AC-016E58C3601A}"/>
+              </a:ext>
+            </a:extLst>
+          </p:cNvPr>
+          <p:cNvSpPr txBox="1">
+            <a:spLocks/>
+          </p:cNvSpPr>
+          <p:nvPr/>
+        </p:nvSpPr>
+        <p:spPr>
+          <a:xfrm>
+            <a:off x="838200" y="198120"/>
+            <a:ext cx="10515600" cy="426348"/>
+          </a:xfrm>
+          <a:prstGeom prst="rect">
+            <a:avLst/>
+          </a:prstGeom>
+        </p:spPr>
+        <p:txBody>
+          <a:bodyPr vert="horz" lIns="91440" tIns="45720" rIns="91440" bIns="45720" rtlCol="0" anchor="ctr">
+            <a:normAutofit fontScale="90000" lnSpcReduction="20000"/>
+          </a:bodyPr>
+          <a:lstStyle>
+            <a:lvl1pPr algn="l" defTabSz="914400" rtl="0" eaLnBrk="1" latinLnBrk="0" hangingPunct="1">
+              <a:lnSpc>
+                <a:spcPct val="90000"/>
+              </a:lnSpc>
+              <a:spcBef>
+                <a:spcPct val="0"/>
+              </a:spcBef>
+              <a:buNone/>
+              <a:defRPr sz="4400" kern="1200">
+                <a:solidFill>
+                  <a:schemeClr val="tx1"/>
+                </a:solidFill>
+                <a:latin typeface="+mj-lt"/>
+                <a:ea typeface="+mj-ea"/>
+                <a:cs typeface="+mj-cs"/>
+              </a:defRPr>
+            </a:lvl1pPr>
+          </a:lstStyle>
+          <a:p>
+            <a:pPr algn="ctr"/>
+            <a:r>
+              <a:rPr lang="ru-RU" sz="3200" dirty="0"/>
+              <a:t>Мотивационная диаграмма + стратегия</a:t>
+            </a:r>
+            <a:endParaRPr lang="en-RU" sz="3200" dirty="0"/>
+          </a:p>
+        </p:txBody>
+      </p:sp>
+      <p:sp>
+        <p:nvSpPr>
+          <p:cNvPr id="7" name="TextBox 6">
+            <a:extLst>
+              <a:ext uri="{FF2B5EF4-FFF2-40B4-BE49-F238E27FC236}">
+                <a16:creationId xmlns:a16="http://schemas.microsoft.com/office/drawing/2014/main" id="{9071CBF8-65CE-F347-46E1-8A2DA645083D}"/>
+              </a:ext>
+            </a:extLst>
+          </p:cNvPr>
+          <p:cNvSpPr txBox="1"/>
+          <p:nvPr/>
+        </p:nvSpPr>
+        <p:spPr>
+          <a:xfrm>
+            <a:off x="11629025" y="6596390"/>
+            <a:ext cx="562975" cy="261610"/>
+          </a:xfrm>
+          <a:prstGeom prst="rect">
+            <a:avLst/>
+          </a:prstGeom>
+          <a:noFill/>
+        </p:spPr>
+        <p:txBody>
+          <a:bodyPr wrap="none" rtlCol="0">
+            <a:spAutoFit/>
+          </a:bodyPr>
+          <a:lstStyle/>
+          <a:p>
+            <a:r>
+              <a:rPr lang="ru-RU" sz="1100" dirty="0"/>
+              <a:t>ДЗ 3-1</a:t>
+            </a:r>
+            <a:endParaRPr lang="en-RU" sz="1100" dirty="0"/>
+          </a:p>
+        </p:txBody>
+      </p:sp>
+    </p:spTree>
+    <p:extLst>
+      <p:ext uri="{BB962C8B-B14F-4D97-AF65-F5344CB8AC3E}">
+        <p14:creationId xmlns:p14="http://schemas.microsoft.com/office/powerpoint/2010/main" val="3662173984"/>
       </p:ext>
     </p:extLst>
   </p:cSld>

--- a/Enterprise Architect/Презентация.pptx
+++ b/Enterprise Architect/Презентация.pptx
@@ -5,13 +5,18 @@
     <p:sldMasterId id="2147483648" r:id="rId1"/>
   </p:sldMasterIdLst>
   <p:notesMasterIdLst>
-    <p:notesMasterId r:id="rId6"/>
+    <p:notesMasterId r:id="rId11"/>
   </p:notesMasterIdLst>
   <p:sldIdLst>
     <p:sldId id="256" r:id="rId2"/>
     <p:sldId id="257" r:id="rId3"/>
     <p:sldId id="258" r:id="rId4"/>
     <p:sldId id="261" r:id="rId5"/>
+    <p:sldId id="262" r:id="rId6"/>
+    <p:sldId id="263" r:id="rId7"/>
+    <p:sldId id="264" r:id="rId8"/>
+    <p:sldId id="265" r:id="rId9"/>
+    <p:sldId id="266" r:id="rId10"/>
   </p:sldIdLst>
   <p:sldSz cx="12192000" cy="6858000"/>
   <p:notesSz cx="6858000" cy="9144000"/>
@@ -200,7 +205,7 @@
           <a:p>
             <a:fld id="{BC225A07-19E1-7C43-ABB5-9E556D1BC5C9}" type="datetimeFigureOut">
               <a:rPr lang="en-RU" smtClean="0"/>
-              <a:t>02.12.2023</a:t>
+              <a:t>30.12.2023</a:t>
             </a:fld>
             <a:endParaRPr lang="en-RU"/>
           </a:p>
@@ -552,6 +557,174 @@
 </p:notes>
 </file>
 
+<file path=ppt/notesSlides/notesSlide2.xml><?xml version="1.0" encoding="utf-8"?>
+<p:notes xmlns:a="http://schemas.openxmlformats.org/drawingml/2006/main" xmlns:r="http://schemas.openxmlformats.org/officeDocument/2006/relationships" xmlns:p="http://schemas.openxmlformats.org/presentationml/2006/main">
+  <p:cSld>
+    <p:spTree>
+      <p:nvGrpSpPr>
+        <p:cNvPr id="1" name=""/>
+        <p:cNvGrpSpPr/>
+        <p:nvPr/>
+      </p:nvGrpSpPr>
+      <p:grpSpPr>
+        <a:xfrm>
+          <a:off x="0" y="0"/>
+          <a:ext cx="0" cy="0"/>
+          <a:chOff x="0" y="0"/>
+          <a:chExt cx="0" cy="0"/>
+        </a:xfrm>
+      </p:grpSpPr>
+      <p:sp>
+        <p:nvSpPr>
+          <p:cNvPr id="2" name="Slide Image Placeholder 1"/>
+          <p:cNvSpPr>
+            <a:spLocks noGrp="1" noRot="1" noChangeAspect="1"/>
+          </p:cNvSpPr>
+          <p:nvPr>
+            <p:ph type="sldImg"/>
+          </p:nvPr>
+        </p:nvSpPr>
+        <p:spPr/>
+      </p:sp>
+      <p:sp>
+        <p:nvSpPr>
+          <p:cNvPr id="3" name="Notes Placeholder 2"/>
+          <p:cNvSpPr>
+            <a:spLocks noGrp="1"/>
+          </p:cNvSpPr>
+          <p:nvPr>
+            <p:ph type="body" idx="1"/>
+          </p:nvPr>
+        </p:nvSpPr>
+        <p:spPr/>
+        <p:txBody>
+          <a:bodyPr/>
+          <a:lstStyle/>
+          <a:p>
+            <a:endParaRPr lang="en-RU" dirty="0"/>
+          </a:p>
+        </p:txBody>
+      </p:sp>
+      <p:sp>
+        <p:nvSpPr>
+          <p:cNvPr id="4" name="Slide Number Placeholder 3"/>
+          <p:cNvSpPr>
+            <a:spLocks noGrp="1"/>
+          </p:cNvSpPr>
+          <p:nvPr>
+            <p:ph type="sldNum" sz="quarter" idx="5"/>
+          </p:nvPr>
+        </p:nvSpPr>
+        <p:spPr/>
+        <p:txBody>
+          <a:bodyPr/>
+          <a:lstStyle/>
+          <a:p>
+            <a:fld id="{715EADAC-0561-4942-8642-DE5E4BFCAF1B}" type="slidenum">
+              <a:rPr lang="en-RU" smtClean="0"/>
+              <a:t>6</a:t>
+            </a:fld>
+            <a:endParaRPr lang="en-RU"/>
+          </a:p>
+        </p:txBody>
+      </p:sp>
+    </p:spTree>
+    <p:extLst>
+      <p:ext uri="{BB962C8B-B14F-4D97-AF65-F5344CB8AC3E}">
+        <p14:creationId xmlns:p14="http://schemas.microsoft.com/office/powerpoint/2010/main" val="2782931798"/>
+      </p:ext>
+    </p:extLst>
+  </p:cSld>
+  <p:clrMapOvr>
+    <a:masterClrMapping/>
+  </p:clrMapOvr>
+</p:notes>
+</file>
+
+<file path=ppt/notesSlides/notesSlide3.xml><?xml version="1.0" encoding="utf-8"?>
+<p:notes xmlns:a="http://schemas.openxmlformats.org/drawingml/2006/main" xmlns:r="http://schemas.openxmlformats.org/officeDocument/2006/relationships" xmlns:p="http://schemas.openxmlformats.org/presentationml/2006/main">
+  <p:cSld>
+    <p:spTree>
+      <p:nvGrpSpPr>
+        <p:cNvPr id="1" name=""/>
+        <p:cNvGrpSpPr/>
+        <p:nvPr/>
+      </p:nvGrpSpPr>
+      <p:grpSpPr>
+        <a:xfrm>
+          <a:off x="0" y="0"/>
+          <a:ext cx="0" cy="0"/>
+          <a:chOff x="0" y="0"/>
+          <a:chExt cx="0" cy="0"/>
+        </a:xfrm>
+      </p:grpSpPr>
+      <p:sp>
+        <p:nvSpPr>
+          <p:cNvPr id="2" name="Slide Image Placeholder 1"/>
+          <p:cNvSpPr>
+            <a:spLocks noGrp="1" noRot="1" noChangeAspect="1"/>
+          </p:cNvSpPr>
+          <p:nvPr>
+            <p:ph type="sldImg"/>
+          </p:nvPr>
+        </p:nvSpPr>
+        <p:spPr/>
+      </p:sp>
+      <p:sp>
+        <p:nvSpPr>
+          <p:cNvPr id="3" name="Notes Placeholder 2"/>
+          <p:cNvSpPr>
+            <a:spLocks noGrp="1"/>
+          </p:cNvSpPr>
+          <p:nvPr>
+            <p:ph type="body" idx="1"/>
+          </p:nvPr>
+        </p:nvSpPr>
+        <p:spPr/>
+        <p:txBody>
+          <a:bodyPr/>
+          <a:lstStyle/>
+          <a:p>
+            <a:endParaRPr lang="en-RU" dirty="0"/>
+          </a:p>
+        </p:txBody>
+      </p:sp>
+      <p:sp>
+        <p:nvSpPr>
+          <p:cNvPr id="4" name="Slide Number Placeholder 3"/>
+          <p:cNvSpPr>
+            <a:spLocks noGrp="1"/>
+          </p:cNvSpPr>
+          <p:nvPr>
+            <p:ph type="sldNum" sz="quarter" idx="5"/>
+          </p:nvPr>
+        </p:nvSpPr>
+        <p:spPr/>
+        <p:txBody>
+          <a:bodyPr/>
+          <a:lstStyle/>
+          <a:p>
+            <a:fld id="{715EADAC-0561-4942-8642-DE5E4BFCAF1B}" type="slidenum">
+              <a:rPr lang="en-RU" smtClean="0"/>
+              <a:t>7</a:t>
+            </a:fld>
+            <a:endParaRPr lang="en-RU"/>
+          </a:p>
+        </p:txBody>
+      </p:sp>
+    </p:spTree>
+    <p:extLst>
+      <p:ext uri="{BB962C8B-B14F-4D97-AF65-F5344CB8AC3E}">
+        <p14:creationId xmlns:p14="http://schemas.microsoft.com/office/powerpoint/2010/main" val="1761757877"/>
+      </p:ext>
+    </p:extLst>
+  </p:cSld>
+  <p:clrMapOvr>
+    <a:masterClrMapping/>
+  </p:clrMapOvr>
+</p:notes>
+</file>
+
 <file path=ppt/slideLayouts/slideLayout1.xml><?xml version="1.0" encoding="utf-8"?>
 <p:sldLayout xmlns:a="http://schemas.openxmlformats.org/drawingml/2006/main" xmlns:r="http://schemas.openxmlformats.org/officeDocument/2006/relationships" xmlns:p="http://schemas.openxmlformats.org/presentationml/2006/main" type="title" preserve="1">
   <p:cSld name="Title Slide">
@@ -701,7 +874,7 @@
           <a:p>
             <a:fld id="{77C9E224-B48A-214B-84D6-161AACADD4F4}" type="datetimeFigureOut">
               <a:rPr lang="en-RU" smtClean="0"/>
-              <a:t>02.12.2023</a:t>
+              <a:t>30.12.2023</a:t>
             </a:fld>
             <a:endParaRPr lang="en-RU"/>
           </a:p>
@@ -901,7 +1074,7 @@
           <a:p>
             <a:fld id="{77C9E224-B48A-214B-84D6-161AACADD4F4}" type="datetimeFigureOut">
               <a:rPr lang="en-RU" smtClean="0"/>
-              <a:t>02.12.2023</a:t>
+              <a:t>30.12.2023</a:t>
             </a:fld>
             <a:endParaRPr lang="en-RU"/>
           </a:p>
@@ -1111,7 +1284,7 @@
           <a:p>
             <a:fld id="{77C9E224-B48A-214B-84D6-161AACADD4F4}" type="datetimeFigureOut">
               <a:rPr lang="en-RU" smtClean="0"/>
-              <a:t>02.12.2023</a:t>
+              <a:t>30.12.2023</a:t>
             </a:fld>
             <a:endParaRPr lang="en-RU"/>
           </a:p>
@@ -1311,7 +1484,7 @@
           <a:p>
             <a:fld id="{77C9E224-B48A-214B-84D6-161AACADD4F4}" type="datetimeFigureOut">
               <a:rPr lang="en-RU" smtClean="0"/>
-              <a:t>02.12.2023</a:t>
+              <a:t>30.12.2023</a:t>
             </a:fld>
             <a:endParaRPr lang="en-RU"/>
           </a:p>
@@ -1587,7 +1760,7 @@
           <a:p>
             <a:fld id="{77C9E224-B48A-214B-84D6-161AACADD4F4}" type="datetimeFigureOut">
               <a:rPr lang="en-RU" smtClean="0"/>
-              <a:t>02.12.2023</a:t>
+              <a:t>30.12.2023</a:t>
             </a:fld>
             <a:endParaRPr lang="en-RU"/>
           </a:p>
@@ -1855,7 +2028,7 @@
           <a:p>
             <a:fld id="{77C9E224-B48A-214B-84D6-161AACADD4F4}" type="datetimeFigureOut">
               <a:rPr lang="en-RU" smtClean="0"/>
-              <a:t>02.12.2023</a:t>
+              <a:t>30.12.2023</a:t>
             </a:fld>
             <a:endParaRPr lang="en-RU"/>
           </a:p>
@@ -2270,7 +2443,7 @@
           <a:p>
             <a:fld id="{77C9E224-B48A-214B-84D6-161AACADD4F4}" type="datetimeFigureOut">
               <a:rPr lang="en-RU" smtClean="0"/>
-              <a:t>02.12.2023</a:t>
+              <a:t>30.12.2023</a:t>
             </a:fld>
             <a:endParaRPr lang="en-RU"/>
           </a:p>
@@ -2412,7 +2585,7 @@
           <a:p>
             <a:fld id="{77C9E224-B48A-214B-84D6-161AACADD4F4}" type="datetimeFigureOut">
               <a:rPr lang="en-RU" smtClean="0"/>
-              <a:t>02.12.2023</a:t>
+              <a:t>30.12.2023</a:t>
             </a:fld>
             <a:endParaRPr lang="en-RU"/>
           </a:p>
@@ -2525,7 +2698,7 @@
           <a:p>
             <a:fld id="{77C9E224-B48A-214B-84D6-161AACADD4F4}" type="datetimeFigureOut">
               <a:rPr lang="en-RU" smtClean="0"/>
-              <a:t>02.12.2023</a:t>
+              <a:t>30.12.2023</a:t>
             </a:fld>
             <a:endParaRPr lang="en-RU"/>
           </a:p>
@@ -2838,7 +3011,7 @@
           <a:p>
             <a:fld id="{77C9E224-B48A-214B-84D6-161AACADD4F4}" type="datetimeFigureOut">
               <a:rPr lang="en-RU" smtClean="0"/>
-              <a:t>02.12.2023</a:t>
+              <a:t>30.12.2023</a:t>
             </a:fld>
             <a:endParaRPr lang="en-RU"/>
           </a:p>
@@ -3127,7 +3300,7 @@
           <a:p>
             <a:fld id="{77C9E224-B48A-214B-84D6-161AACADD4F4}" type="datetimeFigureOut">
               <a:rPr lang="en-RU" smtClean="0"/>
-              <a:t>02.12.2023</a:t>
+              <a:t>30.12.2023</a:t>
             </a:fld>
             <a:endParaRPr lang="en-RU"/>
           </a:p>
@@ -3370,7 +3543,7 @@
           <a:p>
             <a:fld id="{77C9E224-B48A-214B-84D6-161AACADD4F4}" type="datetimeFigureOut">
               <a:rPr lang="en-RU" smtClean="0"/>
-              <a:t>02.12.2023</a:t>
+              <a:t>30.12.2023</a:t>
             </a:fld>
             <a:endParaRPr lang="en-RU"/>
           </a:p>
@@ -5280,12 +5453,42 @@
           </a:p>
         </p:txBody>
       </p:sp>
-      <p:sp>
-        <p:nvSpPr>
-          <p:cNvPr id="7" name="TextBox 6">
-            <a:extLst>
-              <a:ext uri="{FF2B5EF4-FFF2-40B4-BE49-F238E27FC236}">
-                <a16:creationId xmlns:a16="http://schemas.microsoft.com/office/drawing/2014/main" id="{9071CBF8-65CE-F347-46E1-8A2DA645083D}"/>
+      <p:pic>
+        <p:nvPicPr>
+          <p:cNvPr id="3" name="Picture 2" descr="A diagram of a company&#10;&#10;Description automatically generated">
+            <a:extLst>
+              <a:ext uri="{FF2B5EF4-FFF2-40B4-BE49-F238E27FC236}">
+                <a16:creationId xmlns:a16="http://schemas.microsoft.com/office/drawing/2014/main" id="{54B539F7-FA2A-3C69-4ECB-0C088BB5B9F5}"/>
+              </a:ext>
+            </a:extLst>
+          </p:cNvPr>
+          <p:cNvPicPr>
+            <a:picLocks noChangeAspect="1"/>
+          </p:cNvPicPr>
+          <p:nvPr/>
+        </p:nvPicPr>
+        <p:blipFill>
+          <a:blip r:embed="rId2"/>
+          <a:stretch>
+            <a:fillRect/>
+          </a:stretch>
+        </p:blipFill>
+        <p:spPr>
+          <a:xfrm>
+            <a:off x="2446421" y="624468"/>
+            <a:ext cx="7299157" cy="6145452"/>
+          </a:xfrm>
+          <a:prstGeom prst="rect">
+            <a:avLst/>
+          </a:prstGeom>
+        </p:spPr>
+      </p:pic>
+      <p:sp>
+        <p:nvSpPr>
+          <p:cNvPr id="4" name="TextBox 3">
+            <a:extLst>
+              <a:ext uri="{FF2B5EF4-FFF2-40B4-BE49-F238E27FC236}">
+                <a16:creationId xmlns:a16="http://schemas.microsoft.com/office/drawing/2014/main" id="{9B94A825-A8A6-4007-98A8-144361571459}"/>
               </a:ext>
             </a:extLst>
           </p:cNvPr>
@@ -5294,8 +5497,8 @@
         </p:nvSpPr>
         <p:spPr>
           <a:xfrm>
-            <a:off x="11629025" y="6596390"/>
-            <a:ext cx="562975" cy="261610"/>
+            <a:off x="11744442" y="6596390"/>
+            <a:ext cx="447558" cy="261610"/>
           </a:xfrm>
           <a:prstGeom prst="rect">
             <a:avLst/>
@@ -5310,7 +5513,7 @@
           <a:p>
             <a:r>
               <a:rPr lang="ru-RU" sz="1100" dirty="0"/>
-              <a:t>ДЗ 3-1</a:t>
+              <a:t>ДЗ 3</a:t>
             </a:r>
             <a:endParaRPr lang="en-RU" sz="1100" dirty="0"/>
           </a:p>
@@ -5320,6 +5523,720 @@
     <p:extLst>
       <p:ext uri="{BB962C8B-B14F-4D97-AF65-F5344CB8AC3E}">
         <p14:creationId xmlns:p14="http://schemas.microsoft.com/office/powerpoint/2010/main" val="3662173984"/>
+      </p:ext>
+    </p:extLst>
+  </p:cSld>
+  <p:clrMapOvr>
+    <a:masterClrMapping/>
+  </p:clrMapOvr>
+</p:sld>
+</file>
+
+<file path=ppt/slides/slide5.xml><?xml version="1.0" encoding="utf-8"?>
+<p:sld xmlns:a="http://schemas.openxmlformats.org/drawingml/2006/main" xmlns:r="http://schemas.openxmlformats.org/officeDocument/2006/relationships" xmlns:p="http://schemas.openxmlformats.org/presentationml/2006/main">
+  <p:cSld>
+    <p:spTree>
+      <p:nvGrpSpPr>
+        <p:cNvPr id="1" name=""/>
+        <p:cNvGrpSpPr/>
+        <p:nvPr/>
+      </p:nvGrpSpPr>
+      <p:grpSpPr>
+        <a:xfrm>
+          <a:off x="0" y="0"/>
+          <a:ext cx="0" cy="0"/>
+          <a:chOff x="0" y="0"/>
+          <a:chExt cx="0" cy="0"/>
+        </a:xfrm>
+      </p:grpSpPr>
+      <p:sp>
+        <p:nvSpPr>
+          <p:cNvPr id="2" name="Title 1">
+            <a:extLst>
+              <a:ext uri="{FF2B5EF4-FFF2-40B4-BE49-F238E27FC236}">
+                <a16:creationId xmlns:a16="http://schemas.microsoft.com/office/drawing/2014/main" id="{DD2B42F6-988B-9550-14F9-7B33162F9646}"/>
+              </a:ext>
+            </a:extLst>
+          </p:cNvPr>
+          <p:cNvSpPr txBox="1">
+            <a:spLocks/>
+          </p:cNvSpPr>
+          <p:nvPr/>
+        </p:nvSpPr>
+        <p:spPr>
+          <a:xfrm>
+            <a:off x="838200" y="198120"/>
+            <a:ext cx="10515600" cy="426348"/>
+          </a:xfrm>
+          <a:prstGeom prst="rect">
+            <a:avLst/>
+          </a:prstGeom>
+        </p:spPr>
+        <p:txBody>
+          <a:bodyPr vert="horz" lIns="91440" tIns="45720" rIns="91440" bIns="45720" rtlCol="0" anchor="ctr">
+            <a:normAutofit fontScale="90000" lnSpcReduction="20000"/>
+          </a:bodyPr>
+          <a:lstStyle>
+            <a:lvl1pPr algn="l" defTabSz="914400" rtl="0" eaLnBrk="1" latinLnBrk="0" hangingPunct="1">
+              <a:lnSpc>
+                <a:spcPct val="90000"/>
+              </a:lnSpc>
+              <a:spcBef>
+                <a:spcPct val="0"/>
+              </a:spcBef>
+              <a:buNone/>
+              <a:defRPr sz="4400" kern="1200">
+                <a:solidFill>
+                  <a:schemeClr val="tx1"/>
+                </a:solidFill>
+                <a:latin typeface="+mj-lt"/>
+                <a:ea typeface="+mj-ea"/>
+                <a:cs typeface="+mj-cs"/>
+              </a:defRPr>
+            </a:lvl1pPr>
+          </a:lstStyle>
+          <a:p>
+            <a:pPr algn="ctr"/>
+            <a:r>
+              <a:rPr lang="ru-RU" sz="3200" dirty="0"/>
+              <a:t>Поток создания ценности + данные + паттерны архитектуры</a:t>
+            </a:r>
+            <a:endParaRPr lang="en-RU" sz="3200" dirty="0"/>
+          </a:p>
+        </p:txBody>
+      </p:sp>
+      <p:graphicFrame>
+        <p:nvGraphicFramePr>
+          <p:cNvPr id="3" name="Object 2">
+            <a:extLst>
+              <a:ext uri="{FF2B5EF4-FFF2-40B4-BE49-F238E27FC236}">
+                <a16:creationId xmlns:a16="http://schemas.microsoft.com/office/drawing/2014/main" id="{E5BC96F0-3FC3-EC52-D00E-9B1BB4AEF080}"/>
+              </a:ext>
+            </a:extLst>
+          </p:cNvPr>
+          <p:cNvGraphicFramePr>
+            <a:graphicFrameLocks noChangeAspect="1"/>
+          </p:cNvGraphicFramePr>
+          <p:nvPr>
+            <p:extLst>
+              <p:ext uri="{D42A27DB-BD31-4B8C-83A1-F6EECF244321}">
+                <p14:modId xmlns:p14="http://schemas.microsoft.com/office/powerpoint/2010/main" val="2450887523"/>
+              </p:ext>
+            </p:extLst>
+          </p:nvPr>
+        </p:nvGraphicFramePr>
+        <p:xfrm>
+          <a:off x="566890" y="624468"/>
+          <a:ext cx="11058220" cy="5943793"/>
+        </p:xfrm>
+        <a:graphic>
+          <a:graphicData uri="http://schemas.openxmlformats.org/presentationml/2006/ole">
+            <mc:AlternateContent xmlns:mc="http://schemas.openxmlformats.org/markup-compatibility/2006">
+              <mc:Choice xmlns:v="urn:schemas-microsoft-com:vml" Requires="v">
+                <p:oleObj name="Worksheet" r:id="rId2" imgW="18757900" imgH="10083800" progId="Excel.Sheet.12">
+                  <p:embed/>
+                </p:oleObj>
+              </mc:Choice>
+              <mc:Fallback>
+                <p:oleObj name="Worksheet" r:id="rId2" imgW="18757900" imgH="10083800" progId="Excel.Sheet.12">
+                  <p:embed/>
+                  <p:pic>
+                    <p:nvPicPr>
+                      <p:cNvPr id="0" name=""/>
+                      <p:cNvPicPr/>
+                      <p:nvPr/>
+                    </p:nvPicPr>
+                    <p:blipFill>
+                      <a:blip r:embed="rId3"/>
+                      <a:stretch>
+                        <a:fillRect/>
+                      </a:stretch>
+                    </p:blipFill>
+                    <p:spPr>
+                      <a:xfrm>
+                        <a:off x="566890" y="624468"/>
+                        <a:ext cx="11058220" cy="5943793"/>
+                      </a:xfrm>
+                      <a:prstGeom prst="rect">
+                        <a:avLst/>
+                      </a:prstGeom>
+                    </p:spPr>
+                  </p:pic>
+                </p:oleObj>
+              </mc:Fallback>
+            </mc:AlternateContent>
+          </a:graphicData>
+        </a:graphic>
+      </p:graphicFrame>
+      <p:sp>
+        <p:nvSpPr>
+          <p:cNvPr id="5" name="TextBox 4">
+            <a:extLst>
+              <a:ext uri="{FF2B5EF4-FFF2-40B4-BE49-F238E27FC236}">
+                <a16:creationId xmlns:a16="http://schemas.microsoft.com/office/drawing/2014/main" id="{598C6478-9BDD-4C9A-EB4B-3C4A09768F26}"/>
+              </a:ext>
+            </a:extLst>
+          </p:cNvPr>
+          <p:cNvSpPr txBox="1"/>
+          <p:nvPr/>
+        </p:nvSpPr>
+        <p:spPr>
+          <a:xfrm>
+            <a:off x="11465519" y="6596390"/>
+            <a:ext cx="726481" cy="261610"/>
+          </a:xfrm>
+          <a:prstGeom prst="rect">
+            <a:avLst/>
+          </a:prstGeom>
+          <a:noFill/>
+        </p:spPr>
+        <p:txBody>
+          <a:bodyPr wrap="none" rtlCol="0">
+            <a:spAutoFit/>
+          </a:bodyPr>
+          <a:lstStyle/>
+          <a:p>
+            <a:r>
+              <a:rPr lang="ru-RU" sz="1100" dirty="0"/>
+              <a:t>ДЗ 4, 5, 6</a:t>
+            </a:r>
+            <a:endParaRPr lang="en-RU" sz="1100" dirty="0"/>
+          </a:p>
+        </p:txBody>
+      </p:sp>
+    </p:spTree>
+    <p:extLst>
+      <p:ext uri="{BB962C8B-B14F-4D97-AF65-F5344CB8AC3E}">
+        <p14:creationId xmlns:p14="http://schemas.microsoft.com/office/powerpoint/2010/main" val="4109350024"/>
+      </p:ext>
+    </p:extLst>
+  </p:cSld>
+  <p:clrMapOvr>
+    <a:masterClrMapping/>
+  </p:clrMapOvr>
+</p:sld>
+</file>
+
+<file path=ppt/slides/slide6.xml><?xml version="1.0" encoding="utf-8"?>
+<p:sld xmlns:a="http://schemas.openxmlformats.org/drawingml/2006/main" xmlns:r="http://schemas.openxmlformats.org/officeDocument/2006/relationships" xmlns:p="http://schemas.openxmlformats.org/presentationml/2006/main">
+  <p:cSld>
+    <p:spTree>
+      <p:nvGrpSpPr>
+        <p:cNvPr id="1" name=""/>
+        <p:cNvGrpSpPr/>
+        <p:nvPr/>
+      </p:nvGrpSpPr>
+      <p:grpSpPr>
+        <a:xfrm>
+          <a:off x="0" y="0"/>
+          <a:ext cx="0" cy="0"/>
+          <a:chOff x="0" y="0"/>
+          <a:chExt cx="0" cy="0"/>
+        </a:xfrm>
+      </p:grpSpPr>
+      <p:sp>
+        <p:nvSpPr>
+          <p:cNvPr id="2" name="Title 1">
+            <a:extLst>
+              <a:ext uri="{FF2B5EF4-FFF2-40B4-BE49-F238E27FC236}">
+                <a16:creationId xmlns:a16="http://schemas.microsoft.com/office/drawing/2014/main" id="{1ACC1112-F3D5-769F-4270-28F2CCAE5475}"/>
+              </a:ext>
+            </a:extLst>
+          </p:cNvPr>
+          <p:cNvSpPr txBox="1">
+            <a:spLocks/>
+          </p:cNvSpPr>
+          <p:nvPr/>
+        </p:nvSpPr>
+        <p:spPr>
+          <a:xfrm>
+            <a:off x="838200" y="198120"/>
+            <a:ext cx="10515600" cy="426348"/>
+          </a:xfrm>
+          <a:prstGeom prst="rect">
+            <a:avLst/>
+          </a:prstGeom>
+        </p:spPr>
+        <p:txBody>
+          <a:bodyPr vert="horz" lIns="91440" tIns="45720" rIns="91440" bIns="45720" rtlCol="0" anchor="ctr">
+            <a:normAutofit fontScale="90000" lnSpcReduction="20000"/>
+          </a:bodyPr>
+          <a:lstStyle>
+            <a:lvl1pPr algn="l" defTabSz="914400" rtl="0" eaLnBrk="1" latinLnBrk="0" hangingPunct="1">
+              <a:lnSpc>
+                <a:spcPct val="90000"/>
+              </a:lnSpc>
+              <a:spcBef>
+                <a:spcPct val="0"/>
+              </a:spcBef>
+              <a:buNone/>
+              <a:defRPr sz="4400" kern="1200">
+                <a:solidFill>
+                  <a:schemeClr val="tx1"/>
+                </a:solidFill>
+                <a:latin typeface="+mj-lt"/>
+                <a:ea typeface="+mj-ea"/>
+                <a:cs typeface="+mj-cs"/>
+              </a:defRPr>
+            </a:lvl1pPr>
+          </a:lstStyle>
+          <a:p>
+            <a:pPr algn="ctr"/>
+            <a:r>
+              <a:rPr lang="ru-RU" sz="3200" dirty="0"/>
+              <a:t>Диаграмма потоков данных</a:t>
+            </a:r>
+            <a:r>
+              <a:rPr lang="en-US" sz="3200" dirty="0"/>
+              <a:t> (UML activity diagram)</a:t>
+            </a:r>
+            <a:endParaRPr lang="en-RU" sz="3200" dirty="0"/>
+          </a:p>
+        </p:txBody>
+      </p:sp>
+      <p:sp>
+        <p:nvSpPr>
+          <p:cNvPr id="4" name="TextBox 3">
+            <a:extLst>
+              <a:ext uri="{FF2B5EF4-FFF2-40B4-BE49-F238E27FC236}">
+                <a16:creationId xmlns:a16="http://schemas.microsoft.com/office/drawing/2014/main" id="{A5F9384D-B054-1A7A-2577-25A2545D9970}"/>
+              </a:ext>
+            </a:extLst>
+          </p:cNvPr>
+          <p:cNvSpPr txBox="1"/>
+          <p:nvPr/>
+        </p:nvSpPr>
+        <p:spPr>
+          <a:xfrm>
+            <a:off x="11744442" y="6596390"/>
+            <a:ext cx="447558" cy="261610"/>
+          </a:xfrm>
+          <a:prstGeom prst="rect">
+            <a:avLst/>
+          </a:prstGeom>
+          <a:noFill/>
+        </p:spPr>
+        <p:txBody>
+          <a:bodyPr wrap="none" rtlCol="0">
+            <a:spAutoFit/>
+          </a:bodyPr>
+          <a:lstStyle/>
+          <a:p>
+            <a:r>
+              <a:rPr lang="ru-RU" sz="1100" dirty="0"/>
+              <a:t>ДЗ </a:t>
+            </a:r>
+            <a:r>
+              <a:rPr lang="en-US" sz="1100" dirty="0"/>
+              <a:t>7</a:t>
+            </a:r>
+            <a:endParaRPr lang="en-RU" sz="1100" dirty="0"/>
+          </a:p>
+        </p:txBody>
+      </p:sp>
+      <p:pic>
+        <p:nvPicPr>
+          <p:cNvPr id="12" name="Picture 11" descr="A diagram of a company&#10;&#10;Description automatically generated">
+            <a:extLst>
+              <a:ext uri="{FF2B5EF4-FFF2-40B4-BE49-F238E27FC236}">
+                <a16:creationId xmlns:a16="http://schemas.microsoft.com/office/drawing/2014/main" id="{9164ABBD-22B2-B04B-8399-7871189D28FF}"/>
+              </a:ext>
+            </a:extLst>
+          </p:cNvPr>
+          <p:cNvPicPr>
+            <a:picLocks noChangeAspect="1"/>
+          </p:cNvPicPr>
+          <p:nvPr/>
+        </p:nvPicPr>
+        <p:blipFill>
+          <a:blip r:embed="rId3"/>
+          <a:stretch>
+            <a:fillRect/>
+          </a:stretch>
+        </p:blipFill>
+        <p:spPr>
+          <a:xfrm>
+            <a:off x="1984439" y="624468"/>
+            <a:ext cx="8223121" cy="6215440"/>
+          </a:xfrm>
+          <a:prstGeom prst="rect">
+            <a:avLst/>
+          </a:prstGeom>
+        </p:spPr>
+      </p:pic>
+    </p:spTree>
+    <p:extLst>
+      <p:ext uri="{BB962C8B-B14F-4D97-AF65-F5344CB8AC3E}">
+        <p14:creationId xmlns:p14="http://schemas.microsoft.com/office/powerpoint/2010/main" val="1351994218"/>
+      </p:ext>
+    </p:extLst>
+  </p:cSld>
+  <p:clrMapOvr>
+    <a:masterClrMapping/>
+  </p:clrMapOvr>
+</p:sld>
+</file>
+
+<file path=ppt/slides/slide7.xml><?xml version="1.0" encoding="utf-8"?>
+<p:sld xmlns:a="http://schemas.openxmlformats.org/drawingml/2006/main" xmlns:r="http://schemas.openxmlformats.org/officeDocument/2006/relationships" xmlns:p="http://schemas.openxmlformats.org/presentationml/2006/main">
+  <p:cSld>
+    <p:spTree>
+      <p:nvGrpSpPr>
+        <p:cNvPr id="1" name=""/>
+        <p:cNvGrpSpPr/>
+        <p:nvPr/>
+      </p:nvGrpSpPr>
+      <p:grpSpPr>
+        <a:xfrm>
+          <a:off x="0" y="0"/>
+          <a:ext cx="0" cy="0"/>
+          <a:chOff x="0" y="0"/>
+          <a:chExt cx="0" cy="0"/>
+        </a:xfrm>
+      </p:grpSpPr>
+      <p:sp>
+        <p:nvSpPr>
+          <p:cNvPr id="2" name="Title 1">
+            <a:extLst>
+              <a:ext uri="{FF2B5EF4-FFF2-40B4-BE49-F238E27FC236}">
+                <a16:creationId xmlns:a16="http://schemas.microsoft.com/office/drawing/2014/main" id="{954CC2FC-94CC-9614-8938-2EA34E17749C}"/>
+              </a:ext>
+            </a:extLst>
+          </p:cNvPr>
+          <p:cNvSpPr>
+            <a:spLocks noGrp="1"/>
+          </p:cNvSpPr>
+          <p:nvPr>
+            <p:ph type="title"/>
+          </p:nvPr>
+        </p:nvSpPr>
+        <p:spPr/>
+        <p:txBody>
+          <a:bodyPr/>
+          <a:lstStyle/>
+          <a:p>
+            <a:r>
+              <a:rPr lang="ru-RU" dirty="0"/>
+              <a:t>Выбор решений и технологий</a:t>
+            </a:r>
+            <a:endParaRPr lang="en-RU" dirty="0"/>
+          </a:p>
+        </p:txBody>
+      </p:sp>
+      <p:sp>
+        <p:nvSpPr>
+          <p:cNvPr id="3" name="Content Placeholder 2">
+            <a:extLst>
+              <a:ext uri="{FF2B5EF4-FFF2-40B4-BE49-F238E27FC236}">
+                <a16:creationId xmlns:a16="http://schemas.microsoft.com/office/drawing/2014/main" id="{AE61D41F-4FEA-E4E2-6274-BBE68CE44B75}"/>
+              </a:ext>
+            </a:extLst>
+          </p:cNvPr>
+          <p:cNvSpPr>
+            <a:spLocks noGrp="1"/>
+          </p:cNvSpPr>
+          <p:nvPr>
+            <p:ph idx="1"/>
+          </p:nvPr>
+        </p:nvSpPr>
+        <p:spPr/>
+        <p:txBody>
+          <a:bodyPr>
+            <a:normAutofit fontScale="77500" lnSpcReduction="20000"/>
+          </a:bodyPr>
+          <a:lstStyle/>
+          <a:p>
+            <a:pPr marL="0" indent="0">
+              <a:buNone/>
+            </a:pPr>
+            <a:r>
+              <a:rPr lang="ru-RU" dirty="0"/>
+              <a:t>В целях реализации комплекса информационных систем для поддержания описанных ранее бизнес-процессов, необходимо провести анализ и выбрать следующие категории решений:</a:t>
+            </a:r>
+          </a:p>
+          <a:p>
+            <a:r>
+              <a:rPr lang="ru-RU" dirty="0"/>
+              <a:t>Решения для хранения операционных данных.</a:t>
+            </a:r>
+          </a:p>
+          <a:p>
+            <a:r>
+              <a:rPr lang="ru-RU" dirty="0"/>
+              <a:t>Решения для анализа данных.</a:t>
+            </a:r>
+          </a:p>
+          <a:p>
+            <a:r>
+              <a:rPr lang="ru-RU" dirty="0"/>
+              <a:t>Решения для сервисной интеграции.</a:t>
+            </a:r>
+          </a:p>
+          <a:p>
+            <a:r>
+              <a:rPr lang="ru-RU" dirty="0"/>
+              <a:t>Технологии для разработки ПО.</a:t>
+            </a:r>
+          </a:p>
+          <a:p>
+            <a:pPr marL="0" indent="0">
+              <a:buNone/>
+            </a:pPr>
+            <a:endParaRPr lang="ru-RU" dirty="0"/>
+          </a:p>
+          <a:p>
+            <a:pPr marL="0" indent="0">
+              <a:buNone/>
+            </a:pPr>
+            <a:r>
+              <a:rPr lang="ru-RU" dirty="0"/>
+              <a:t>Используются следующие подходы:</a:t>
+            </a:r>
+          </a:p>
+          <a:p>
+            <a:r>
+              <a:rPr lang="ru-RU" dirty="0"/>
+              <a:t>Воронка выбора решений – для проведения анализа «большого списка» и приведения его к «малому списку».</a:t>
+            </a:r>
+          </a:p>
+          <a:p>
+            <a:r>
+              <a:rPr lang="ru-RU" dirty="0"/>
+              <a:t>Технологический радар – для фиксации окончательного списка выбранных решений, а так же стека разработки ПО.</a:t>
+            </a:r>
+          </a:p>
+        </p:txBody>
+      </p:sp>
+      <p:sp>
+        <p:nvSpPr>
+          <p:cNvPr id="4" name="TextBox 3">
+            <a:extLst>
+              <a:ext uri="{FF2B5EF4-FFF2-40B4-BE49-F238E27FC236}">
+                <a16:creationId xmlns:a16="http://schemas.microsoft.com/office/drawing/2014/main" id="{BDDB5A24-4B3C-C6C1-A82E-BE1B019F3A64}"/>
+              </a:ext>
+            </a:extLst>
+          </p:cNvPr>
+          <p:cNvSpPr txBox="1"/>
+          <p:nvPr/>
+        </p:nvSpPr>
+        <p:spPr>
+          <a:xfrm>
+            <a:off x="11744442" y="6596390"/>
+            <a:ext cx="447558" cy="261610"/>
+          </a:xfrm>
+          <a:prstGeom prst="rect">
+            <a:avLst/>
+          </a:prstGeom>
+          <a:noFill/>
+        </p:spPr>
+        <p:txBody>
+          <a:bodyPr wrap="none" rtlCol="0">
+            <a:spAutoFit/>
+          </a:bodyPr>
+          <a:lstStyle/>
+          <a:p>
+            <a:r>
+              <a:rPr lang="ru-RU" sz="1100" dirty="0"/>
+              <a:t>ДЗ 8</a:t>
+            </a:r>
+            <a:endParaRPr lang="en-RU" sz="1100" dirty="0"/>
+          </a:p>
+        </p:txBody>
+      </p:sp>
+    </p:spTree>
+    <p:extLst>
+      <p:ext uri="{BB962C8B-B14F-4D97-AF65-F5344CB8AC3E}">
+        <p14:creationId xmlns:p14="http://schemas.microsoft.com/office/powerpoint/2010/main" val="1007530335"/>
+      </p:ext>
+    </p:extLst>
+  </p:cSld>
+  <p:clrMapOvr>
+    <a:masterClrMapping/>
+  </p:clrMapOvr>
+</p:sld>
+</file>
+
+<file path=ppt/slides/slide8.xml><?xml version="1.0" encoding="utf-8"?>
+<p:sld xmlns:a="http://schemas.openxmlformats.org/drawingml/2006/main" xmlns:r="http://schemas.openxmlformats.org/officeDocument/2006/relationships" xmlns:p="http://schemas.openxmlformats.org/presentationml/2006/main">
+  <p:cSld>
+    <p:spTree>
+      <p:nvGrpSpPr>
+        <p:cNvPr id="1" name=""/>
+        <p:cNvGrpSpPr/>
+        <p:nvPr/>
+      </p:nvGrpSpPr>
+      <p:grpSpPr>
+        <a:xfrm>
+          <a:off x="0" y="0"/>
+          <a:ext cx="0" cy="0"/>
+          <a:chOff x="0" y="0"/>
+          <a:chExt cx="0" cy="0"/>
+        </a:xfrm>
+      </p:grpSpPr>
+      <p:sp>
+        <p:nvSpPr>
+          <p:cNvPr id="2" name="Title 1">
+            <a:extLst>
+              <a:ext uri="{FF2B5EF4-FFF2-40B4-BE49-F238E27FC236}">
+                <a16:creationId xmlns:a16="http://schemas.microsoft.com/office/drawing/2014/main" id="{05FF02CD-00A9-5FB4-D05C-6BEB9902CCD1}"/>
+              </a:ext>
+            </a:extLst>
+          </p:cNvPr>
+          <p:cNvSpPr>
+            <a:spLocks noGrp="1"/>
+          </p:cNvSpPr>
+          <p:nvPr>
+            <p:ph type="title"/>
+          </p:nvPr>
+        </p:nvSpPr>
+        <p:spPr/>
+        <p:txBody>
+          <a:bodyPr/>
+          <a:lstStyle/>
+          <a:p>
+            <a:r>
+              <a:rPr lang="ru-RU" dirty="0"/>
+              <a:t>Воронка выбора решений</a:t>
+            </a:r>
+            <a:endParaRPr lang="en-RU" dirty="0"/>
+          </a:p>
+        </p:txBody>
+      </p:sp>
+      <p:sp>
+        <p:nvSpPr>
+          <p:cNvPr id="4" name="TextBox 3">
+            <a:extLst>
+              <a:ext uri="{FF2B5EF4-FFF2-40B4-BE49-F238E27FC236}">
+                <a16:creationId xmlns:a16="http://schemas.microsoft.com/office/drawing/2014/main" id="{13B1847B-4AB5-091F-DC23-65C9972F2CB9}"/>
+              </a:ext>
+            </a:extLst>
+          </p:cNvPr>
+          <p:cNvSpPr txBox="1"/>
+          <p:nvPr/>
+        </p:nvSpPr>
+        <p:spPr>
+          <a:xfrm>
+            <a:off x="11744442" y="6596390"/>
+            <a:ext cx="447558" cy="261610"/>
+          </a:xfrm>
+          <a:prstGeom prst="rect">
+            <a:avLst/>
+          </a:prstGeom>
+          <a:noFill/>
+        </p:spPr>
+        <p:txBody>
+          <a:bodyPr wrap="none" rtlCol="0">
+            <a:spAutoFit/>
+          </a:bodyPr>
+          <a:lstStyle/>
+          <a:p>
+            <a:r>
+              <a:rPr lang="ru-RU" sz="1100" dirty="0"/>
+              <a:t>ДЗ 8</a:t>
+            </a:r>
+            <a:endParaRPr lang="en-RU" sz="1100" dirty="0"/>
+          </a:p>
+        </p:txBody>
+      </p:sp>
+    </p:spTree>
+    <p:extLst>
+      <p:ext uri="{BB962C8B-B14F-4D97-AF65-F5344CB8AC3E}">
+        <p14:creationId xmlns:p14="http://schemas.microsoft.com/office/powerpoint/2010/main" val="3014881569"/>
+      </p:ext>
+    </p:extLst>
+  </p:cSld>
+  <p:clrMapOvr>
+    <a:masterClrMapping/>
+  </p:clrMapOvr>
+</p:sld>
+</file>
+
+<file path=ppt/slides/slide9.xml><?xml version="1.0" encoding="utf-8"?>
+<p:sld xmlns:a="http://schemas.openxmlformats.org/drawingml/2006/main" xmlns:r="http://schemas.openxmlformats.org/officeDocument/2006/relationships" xmlns:p="http://schemas.openxmlformats.org/presentationml/2006/main">
+  <p:cSld>
+    <p:spTree>
+      <p:nvGrpSpPr>
+        <p:cNvPr id="1" name=""/>
+        <p:cNvGrpSpPr/>
+        <p:nvPr/>
+      </p:nvGrpSpPr>
+      <p:grpSpPr>
+        <a:xfrm>
+          <a:off x="0" y="0"/>
+          <a:ext cx="0" cy="0"/>
+          <a:chOff x="0" y="0"/>
+          <a:chExt cx="0" cy="0"/>
+        </a:xfrm>
+      </p:grpSpPr>
+      <p:sp>
+        <p:nvSpPr>
+          <p:cNvPr id="2" name="Title 1">
+            <a:extLst>
+              <a:ext uri="{FF2B5EF4-FFF2-40B4-BE49-F238E27FC236}">
+                <a16:creationId xmlns:a16="http://schemas.microsoft.com/office/drawing/2014/main" id="{05FF02CD-00A9-5FB4-D05C-6BEB9902CCD1}"/>
+              </a:ext>
+            </a:extLst>
+          </p:cNvPr>
+          <p:cNvSpPr>
+            <a:spLocks noGrp="1"/>
+          </p:cNvSpPr>
+          <p:nvPr>
+            <p:ph type="title"/>
+          </p:nvPr>
+        </p:nvSpPr>
+        <p:spPr/>
+        <p:txBody>
+          <a:bodyPr/>
+          <a:lstStyle/>
+          <a:p>
+            <a:r>
+              <a:rPr lang="ru-RU" dirty="0"/>
+              <a:t>Технологический радар</a:t>
+            </a:r>
+            <a:endParaRPr lang="en-RU" dirty="0"/>
+          </a:p>
+        </p:txBody>
+      </p:sp>
+      <p:sp>
+        <p:nvSpPr>
+          <p:cNvPr id="4" name="TextBox 3">
+            <a:extLst>
+              <a:ext uri="{FF2B5EF4-FFF2-40B4-BE49-F238E27FC236}">
+                <a16:creationId xmlns:a16="http://schemas.microsoft.com/office/drawing/2014/main" id="{13B1847B-4AB5-091F-DC23-65C9972F2CB9}"/>
+              </a:ext>
+            </a:extLst>
+          </p:cNvPr>
+          <p:cNvSpPr txBox="1"/>
+          <p:nvPr/>
+        </p:nvSpPr>
+        <p:spPr>
+          <a:xfrm>
+            <a:off x="11744442" y="6596390"/>
+            <a:ext cx="447558" cy="261610"/>
+          </a:xfrm>
+          <a:prstGeom prst="rect">
+            <a:avLst/>
+          </a:prstGeom>
+          <a:noFill/>
+        </p:spPr>
+        <p:txBody>
+          <a:bodyPr wrap="none" rtlCol="0">
+            <a:spAutoFit/>
+          </a:bodyPr>
+          <a:lstStyle/>
+          <a:p>
+            <a:r>
+              <a:rPr lang="ru-RU" sz="1100" dirty="0"/>
+              <a:t>ДЗ 8</a:t>
+            </a:r>
+            <a:endParaRPr lang="en-RU" sz="1100" dirty="0"/>
+          </a:p>
+        </p:txBody>
+      </p:sp>
+    </p:spTree>
+    <p:extLst>
+      <p:ext uri="{BB962C8B-B14F-4D97-AF65-F5344CB8AC3E}">
+        <p14:creationId xmlns:p14="http://schemas.microsoft.com/office/powerpoint/2010/main" val="2119131831"/>
       </p:ext>
     </p:extLst>
   </p:cSld>

--- a/Enterprise Architect/Презентация.pptx
+++ b/Enterprise Architect/Презентация.pptx
@@ -5,7 +5,7 @@
     <p:sldMasterId id="2147483648" r:id="rId1"/>
   </p:sldMasterIdLst>
   <p:notesMasterIdLst>
-    <p:notesMasterId r:id="rId11"/>
+    <p:notesMasterId r:id="rId10"/>
   </p:notesMasterIdLst>
   <p:sldIdLst>
     <p:sldId id="256" r:id="rId2"/>
@@ -16,7 +16,6 @@
     <p:sldId id="263" r:id="rId7"/>
     <p:sldId id="264" r:id="rId8"/>
     <p:sldId id="265" r:id="rId9"/>
-    <p:sldId id="266" r:id="rId10"/>
   </p:sldIdLst>
   <p:sldSz cx="12192000" cy="6858000"/>
   <p:notesSz cx="6858000" cy="9144000"/>
@@ -5942,7 +5941,7 @@
         <p:spPr/>
         <p:txBody>
           <a:bodyPr>
-            <a:normAutofit fontScale="77500" lnSpcReduction="20000"/>
+            <a:normAutofit fontScale="92500" lnSpcReduction="10000"/>
           </a:bodyPr>
           <a:lstStyle/>
           <a:p>
@@ -5951,31 +5950,25 @@
             </a:pPr>
             <a:r>
               <a:rPr lang="ru-RU" dirty="0"/>
-              <a:t>В целях реализации комплекса информационных систем для поддержания описанных ранее бизнес-процессов, необходимо провести анализ и выбрать следующие категории решений:</a:t>
+              <a:t>В целях реализации комплекса информационных систем для поддержания описанных ранее бизнес-процессов, необходимо провести анализ и выбрать следующие категории решений и технологий:</a:t>
             </a:r>
           </a:p>
           <a:p>
             <a:r>
               <a:rPr lang="ru-RU" dirty="0"/>
-              <a:t>Решения для хранения операционных данных.</a:t>
+              <a:t>Стек для внутренней разработки ПО.</a:t>
             </a:r>
           </a:p>
           <a:p>
             <a:r>
               <a:rPr lang="ru-RU" dirty="0"/>
-              <a:t>Решения для анализа данных.</a:t>
+              <a:t>Решения для хранения и анализа данных.</a:t>
             </a:r>
           </a:p>
           <a:p>
             <a:r>
               <a:rPr lang="ru-RU" dirty="0"/>
-              <a:t>Решения для сервисной интеграции.</a:t>
-            </a:r>
-          </a:p>
-          <a:p>
-            <a:r>
-              <a:rPr lang="ru-RU" dirty="0"/>
-              <a:t>Технологии для разработки ПО.</a:t>
+              <a:t>Инфраструктура.</a:t>
             </a:r>
           </a:p>
           <a:p>
@@ -5990,19 +5983,7 @@
             </a:pPr>
             <a:r>
               <a:rPr lang="ru-RU" dirty="0"/>
-              <a:t>Используются следующие подходы:</a:t>
-            </a:r>
-          </a:p>
-          <a:p>
-            <a:r>
-              <a:rPr lang="ru-RU" dirty="0"/>
-              <a:t>Воронка выбора решений – для проведения анализа «большого списка» и приведения его к «малому списку».</a:t>
-            </a:r>
-          </a:p>
-          <a:p>
-            <a:r>
-              <a:rPr lang="ru-RU" dirty="0"/>
-              <a:t>Технологический радар – для фиксации окончательного списка выбранных решений, а так же стека разработки ПО.</a:t>
+              <a:t>Для анализа был составлен «большой список» технологий из каждой категории и поэтапно приведен к «малому списку», отсекая на каждом этапе технологии не подходящие под критерии.</a:t>
             </a:r>
           </a:p>
         </p:txBody>
@@ -6075,35 +6056,6 @@
       </p:grpSpPr>
       <p:sp>
         <p:nvSpPr>
-          <p:cNvPr id="2" name="Title 1">
-            <a:extLst>
-              <a:ext uri="{FF2B5EF4-FFF2-40B4-BE49-F238E27FC236}">
-                <a16:creationId xmlns:a16="http://schemas.microsoft.com/office/drawing/2014/main" id="{05FF02CD-00A9-5FB4-D05C-6BEB9902CCD1}"/>
-              </a:ext>
-            </a:extLst>
-          </p:cNvPr>
-          <p:cNvSpPr>
-            <a:spLocks noGrp="1"/>
-          </p:cNvSpPr>
-          <p:nvPr>
-            <p:ph type="title"/>
-          </p:nvPr>
-        </p:nvSpPr>
-        <p:spPr/>
-        <p:txBody>
-          <a:bodyPr/>
-          <a:lstStyle/>
-          <a:p>
-            <a:r>
-              <a:rPr lang="ru-RU" dirty="0"/>
-              <a:t>Воронка выбора решений</a:t>
-            </a:r>
-            <a:endParaRPr lang="en-RU" dirty="0"/>
-          </a:p>
-        </p:txBody>
-      </p:sp>
-      <p:sp>
-        <p:nvSpPr>
           <p:cNvPr id="4" name="TextBox 3">
             <a:extLst>
               <a:ext uri="{FF2B5EF4-FFF2-40B4-BE49-F238E27FC236}">
@@ -6131,112 +6083,103 @@
           <a:lstStyle/>
           <a:p>
             <a:r>
-              <a:rPr lang="ru-RU" sz="1100" dirty="0"/>
+              <a:rPr lang="ru-RU" sz="1100"/>
               <a:t>ДЗ 8</a:t>
             </a:r>
             <a:endParaRPr lang="en-RU" sz="1100" dirty="0"/>
           </a:p>
         </p:txBody>
       </p:sp>
+      <p:sp>
+        <p:nvSpPr>
+          <p:cNvPr id="8" name="Title 1">
+            <a:extLst>
+              <a:ext uri="{FF2B5EF4-FFF2-40B4-BE49-F238E27FC236}">
+                <a16:creationId xmlns:a16="http://schemas.microsoft.com/office/drawing/2014/main" id="{ADEDA5BD-2CB5-50CC-E264-3FABB1D55E3D}"/>
+              </a:ext>
+            </a:extLst>
+          </p:cNvPr>
+          <p:cNvSpPr txBox="1">
+            <a:spLocks/>
+          </p:cNvSpPr>
+          <p:nvPr/>
+        </p:nvSpPr>
+        <p:spPr>
+          <a:xfrm>
+            <a:off x="838200" y="198120"/>
+            <a:ext cx="10515600" cy="426348"/>
+          </a:xfrm>
+          <a:prstGeom prst="rect">
+            <a:avLst/>
+          </a:prstGeom>
+        </p:spPr>
+        <p:txBody>
+          <a:bodyPr>
+            <a:normAutofit fontScale="90000" lnSpcReduction="20000"/>
+          </a:bodyPr>
+          <a:lstStyle>
+            <a:lvl1pPr algn="l" defTabSz="914400" rtl="0" eaLnBrk="1" latinLnBrk="0" hangingPunct="1">
+              <a:lnSpc>
+                <a:spcPct val="90000"/>
+              </a:lnSpc>
+              <a:spcBef>
+                <a:spcPct val="0"/>
+              </a:spcBef>
+              <a:buNone/>
+              <a:defRPr sz="4400" kern="1200">
+                <a:solidFill>
+                  <a:schemeClr val="tx1"/>
+                </a:solidFill>
+                <a:latin typeface="+mj-lt"/>
+                <a:ea typeface="+mj-ea"/>
+                <a:cs typeface="+mj-cs"/>
+              </a:defRPr>
+            </a:lvl1pPr>
+          </a:lstStyle>
+          <a:p>
+            <a:pPr algn="ctr"/>
+            <a:r>
+              <a:rPr lang="ru-RU" sz="3200" dirty="0"/>
+              <a:t>Поэтапный выбор решений по отсекающим критериям</a:t>
+            </a:r>
+            <a:endParaRPr lang="en-RU" sz="3200" dirty="0"/>
+          </a:p>
+        </p:txBody>
+      </p:sp>
+      <p:pic>
+        <p:nvPicPr>
+          <p:cNvPr id="2" name="Picture 1">
+            <a:extLst>
+              <a:ext uri="{FF2B5EF4-FFF2-40B4-BE49-F238E27FC236}">
+                <a16:creationId xmlns:a16="http://schemas.microsoft.com/office/drawing/2014/main" id="{A1C9BC8E-D017-A21A-E94A-21EF7CC860AA}"/>
+              </a:ext>
+            </a:extLst>
+          </p:cNvPr>
+          <p:cNvPicPr>
+            <a:picLocks noChangeAspect="1"/>
+          </p:cNvPicPr>
+          <p:nvPr/>
+        </p:nvPicPr>
+        <p:blipFill>
+          <a:blip r:embed="rId2"/>
+          <a:stretch>
+            <a:fillRect/>
+          </a:stretch>
+        </p:blipFill>
+        <p:spPr>
+          <a:xfrm>
+            <a:off x="2209800" y="635314"/>
+            <a:ext cx="7772400" cy="6091881"/>
+          </a:xfrm>
+          <a:prstGeom prst="rect">
+            <a:avLst/>
+          </a:prstGeom>
+        </p:spPr>
+      </p:pic>
     </p:spTree>
     <p:extLst>
       <p:ext uri="{BB962C8B-B14F-4D97-AF65-F5344CB8AC3E}">
         <p14:creationId xmlns:p14="http://schemas.microsoft.com/office/powerpoint/2010/main" val="3014881569"/>
-      </p:ext>
-    </p:extLst>
-  </p:cSld>
-  <p:clrMapOvr>
-    <a:masterClrMapping/>
-  </p:clrMapOvr>
-</p:sld>
-</file>
-
-<file path=ppt/slides/slide9.xml><?xml version="1.0" encoding="utf-8"?>
-<p:sld xmlns:a="http://schemas.openxmlformats.org/drawingml/2006/main" xmlns:r="http://schemas.openxmlformats.org/officeDocument/2006/relationships" xmlns:p="http://schemas.openxmlformats.org/presentationml/2006/main">
-  <p:cSld>
-    <p:spTree>
-      <p:nvGrpSpPr>
-        <p:cNvPr id="1" name=""/>
-        <p:cNvGrpSpPr/>
-        <p:nvPr/>
-      </p:nvGrpSpPr>
-      <p:grpSpPr>
-        <a:xfrm>
-          <a:off x="0" y="0"/>
-          <a:ext cx="0" cy="0"/>
-          <a:chOff x="0" y="0"/>
-          <a:chExt cx="0" cy="0"/>
-        </a:xfrm>
-      </p:grpSpPr>
-      <p:sp>
-        <p:nvSpPr>
-          <p:cNvPr id="2" name="Title 1">
-            <a:extLst>
-              <a:ext uri="{FF2B5EF4-FFF2-40B4-BE49-F238E27FC236}">
-                <a16:creationId xmlns:a16="http://schemas.microsoft.com/office/drawing/2014/main" id="{05FF02CD-00A9-5FB4-D05C-6BEB9902CCD1}"/>
-              </a:ext>
-            </a:extLst>
-          </p:cNvPr>
-          <p:cNvSpPr>
-            <a:spLocks noGrp="1"/>
-          </p:cNvSpPr>
-          <p:nvPr>
-            <p:ph type="title"/>
-          </p:nvPr>
-        </p:nvSpPr>
-        <p:spPr/>
-        <p:txBody>
-          <a:bodyPr/>
-          <a:lstStyle/>
-          <a:p>
-            <a:r>
-              <a:rPr lang="ru-RU" dirty="0"/>
-              <a:t>Технологический радар</a:t>
-            </a:r>
-            <a:endParaRPr lang="en-RU" dirty="0"/>
-          </a:p>
-        </p:txBody>
-      </p:sp>
-      <p:sp>
-        <p:nvSpPr>
-          <p:cNvPr id="4" name="TextBox 3">
-            <a:extLst>
-              <a:ext uri="{FF2B5EF4-FFF2-40B4-BE49-F238E27FC236}">
-                <a16:creationId xmlns:a16="http://schemas.microsoft.com/office/drawing/2014/main" id="{13B1847B-4AB5-091F-DC23-65C9972F2CB9}"/>
-              </a:ext>
-            </a:extLst>
-          </p:cNvPr>
-          <p:cNvSpPr txBox="1"/>
-          <p:nvPr/>
-        </p:nvSpPr>
-        <p:spPr>
-          <a:xfrm>
-            <a:off x="11744442" y="6596390"/>
-            <a:ext cx="447558" cy="261610"/>
-          </a:xfrm>
-          <a:prstGeom prst="rect">
-            <a:avLst/>
-          </a:prstGeom>
-          <a:noFill/>
-        </p:spPr>
-        <p:txBody>
-          <a:bodyPr wrap="none" rtlCol="0">
-            <a:spAutoFit/>
-          </a:bodyPr>
-          <a:lstStyle/>
-          <a:p>
-            <a:r>
-              <a:rPr lang="ru-RU" sz="1100" dirty="0"/>
-              <a:t>ДЗ 8</a:t>
-            </a:r>
-            <a:endParaRPr lang="en-RU" sz="1100" dirty="0"/>
-          </a:p>
-        </p:txBody>
-      </p:sp>
-    </p:spTree>
-    <p:extLst>
-      <p:ext uri="{BB962C8B-B14F-4D97-AF65-F5344CB8AC3E}">
-        <p14:creationId xmlns:p14="http://schemas.microsoft.com/office/powerpoint/2010/main" val="2119131831"/>
       </p:ext>
     </p:extLst>
   </p:cSld>
